--- a/216 - Breathe on Me, Breath of God.pptx
+++ b/216 - Breathe on Me, Breath of God.pptx
@@ -242,7 +242,7 @@
           <a:p>
             <a:fld id="{32F7251A-AE54-443C-B8FE-5F636E835EBF}" type="datetimeFigureOut">
               <a:rPr lang="en-US" smtClean="0"/>
-              <a:t>2/11/2018</a:t>
+              <a:t>11/10/2019</a:t>
             </a:fld>
             <a:endParaRPr lang="en-US"/>
           </a:p>
@@ -410,7 +410,7 @@
           <a:p>
             <a:fld id="{32F7251A-AE54-443C-B8FE-5F636E835EBF}" type="datetimeFigureOut">
               <a:rPr lang="en-US" smtClean="0"/>
-              <a:t>2/11/2018</a:t>
+              <a:t>11/10/2019</a:t>
             </a:fld>
             <a:endParaRPr lang="en-US"/>
           </a:p>
@@ -588,7 +588,7 @@
           <a:p>
             <a:fld id="{32F7251A-AE54-443C-B8FE-5F636E835EBF}" type="datetimeFigureOut">
               <a:rPr lang="en-US" smtClean="0"/>
-              <a:t>2/11/2018</a:t>
+              <a:t>11/10/2019</a:t>
             </a:fld>
             <a:endParaRPr lang="en-US"/>
           </a:p>
@@ -756,7 +756,7 @@
           <a:p>
             <a:fld id="{32F7251A-AE54-443C-B8FE-5F636E835EBF}" type="datetimeFigureOut">
               <a:rPr lang="en-US" smtClean="0"/>
-              <a:t>2/11/2018</a:t>
+              <a:t>11/10/2019</a:t>
             </a:fld>
             <a:endParaRPr lang="en-US"/>
           </a:p>
@@ -1001,7 +1001,7 @@
           <a:p>
             <a:fld id="{32F7251A-AE54-443C-B8FE-5F636E835EBF}" type="datetimeFigureOut">
               <a:rPr lang="en-US" smtClean="0"/>
-              <a:t>2/11/2018</a:t>
+              <a:t>11/10/2019</a:t>
             </a:fld>
             <a:endParaRPr lang="en-US"/>
           </a:p>
@@ -1230,7 +1230,7 @@
           <a:p>
             <a:fld id="{32F7251A-AE54-443C-B8FE-5F636E835EBF}" type="datetimeFigureOut">
               <a:rPr lang="en-US" smtClean="0"/>
-              <a:t>2/11/2018</a:t>
+              <a:t>11/10/2019</a:t>
             </a:fld>
             <a:endParaRPr lang="en-US"/>
           </a:p>
@@ -1594,7 +1594,7 @@
           <a:p>
             <a:fld id="{32F7251A-AE54-443C-B8FE-5F636E835EBF}" type="datetimeFigureOut">
               <a:rPr lang="en-US" smtClean="0"/>
-              <a:t>2/11/2018</a:t>
+              <a:t>11/10/2019</a:t>
             </a:fld>
             <a:endParaRPr lang="en-US"/>
           </a:p>
@@ -1711,7 +1711,7 @@
           <a:p>
             <a:fld id="{32F7251A-AE54-443C-B8FE-5F636E835EBF}" type="datetimeFigureOut">
               <a:rPr lang="en-US" smtClean="0"/>
-              <a:t>2/11/2018</a:t>
+              <a:t>11/10/2019</a:t>
             </a:fld>
             <a:endParaRPr lang="en-US"/>
           </a:p>
@@ -1806,7 +1806,7 @@
           <a:p>
             <a:fld id="{32F7251A-AE54-443C-B8FE-5F636E835EBF}" type="datetimeFigureOut">
               <a:rPr lang="en-US" smtClean="0"/>
-              <a:t>2/11/2018</a:t>
+              <a:t>11/10/2019</a:t>
             </a:fld>
             <a:endParaRPr lang="en-US"/>
           </a:p>
@@ -2081,7 +2081,7 @@
           <a:p>
             <a:fld id="{32F7251A-AE54-443C-B8FE-5F636E835EBF}" type="datetimeFigureOut">
               <a:rPr lang="en-US" smtClean="0"/>
-              <a:t>2/11/2018</a:t>
+              <a:t>11/10/2019</a:t>
             </a:fld>
             <a:endParaRPr lang="en-US"/>
           </a:p>
@@ -2333,7 +2333,7 @@
           <a:p>
             <a:fld id="{32F7251A-AE54-443C-B8FE-5F636E835EBF}" type="datetimeFigureOut">
               <a:rPr lang="en-US" smtClean="0"/>
-              <a:t>2/11/2018</a:t>
+              <a:t>11/10/2019</a:t>
             </a:fld>
             <a:endParaRPr lang="en-US"/>
           </a:p>
@@ -2400,7 +2400,9 @@
     <p:bg>
       <p:bgPr>
         <a:solidFill>
-          <a:srgbClr val="333333"/>
+          <a:schemeClr val="bg1">
+            <a:lumMod val="10000"/>
+          </a:schemeClr>
         </a:solidFill>
         <a:effectLst/>
       </p:bgPr>
@@ -2547,7 +2549,7 @@
           <a:p>
             <a:fld id="{32F7251A-AE54-443C-B8FE-5F636E835EBF}" type="datetimeFigureOut">
               <a:rPr lang="en-US" smtClean="0"/>
-              <a:t>2/11/2018</a:t>
+              <a:t>11/10/2019</a:t>
             </a:fld>
             <a:endParaRPr lang="en-US"/>
           </a:p>
@@ -3029,15 +3031,23 @@
           <a:bodyPr wrap="square" rtlCol="0" anchor="ctr">
             <a:spAutoFit/>
           </a:bodyPr>
-          <a:lstStyle/>
-          <a:p>
-            <a:pPr algn="ctr"/>
-            <a:r>
-              <a:rPr lang="en-US" sz="4800" dirty="0">
+          <a:lstStyle>
+            <a:defPPr>
+              <a:defRPr lang="en-US"/>
+            </a:defPPr>
+            <a:lvl1pPr algn="ctr">
+              <a:defRPr sz="3200" u="sng">
                 <a:solidFill>
                   <a:schemeClr val="bg1"/>
                 </a:solidFill>
-              </a:rPr>
+                <a:latin typeface="Assistant SemiBold" panose="00000700000000000000" pitchFamily="2" charset="-79"/>
+                <a:cs typeface="Assistant SemiBold" panose="00000700000000000000" pitchFamily="2" charset="-79"/>
+              </a:defRPr>
+            </a:lvl1pPr>
+          </a:lstStyle>
+          <a:p>
+            <a:r>
+              <a:rPr lang="en-US" dirty="0"/>
               <a:t>“Breathe on Me, Breath of God”</a:t>
             </a:r>
           </a:p>
@@ -3051,8 +3061,8 @@
         </p:nvSpPr>
         <p:spPr>
           <a:xfrm>
-            <a:off x="0" y="257866"/>
-            <a:ext cx="12192000" cy="5078313"/>
+            <a:off x="0" y="795751"/>
+            <a:ext cx="12192000" cy="3970318"/>
           </a:xfrm>
           <a:prstGeom prst="rect">
             <a:avLst/>
@@ -3063,100 +3073,68 @@
           <a:bodyPr wrap="square" rtlCol="0">
             <a:spAutoFit/>
           </a:bodyPr>
-          <a:lstStyle/>
-          <a:p>
-            <a:pPr algn="ctr"/>
-            <a:r>
-              <a:rPr lang="en-US" sz="3600" dirty="0">
+          <a:lstStyle>
+            <a:defPPr>
+              <a:defRPr lang="en-US"/>
+            </a:defPPr>
+            <a:lvl1pPr algn="ctr">
+              <a:defRPr sz="2800" spc="50">
                 <a:solidFill>
                   <a:schemeClr val="bg1"/>
                 </a:solidFill>
-              </a:rPr>
+                <a:latin typeface="Assistant" panose="00000500000000000000" pitchFamily="2" charset="-79"/>
+                <a:cs typeface="Assistant" panose="00000500000000000000" pitchFamily="2" charset="-79"/>
+              </a:defRPr>
+            </a:lvl1pPr>
+          </a:lstStyle>
+          <a:p>
+            <a:r>
+              <a:rPr lang="en-US" dirty="0"/>
               <a:t>Breathe on me, Breath of God,</a:t>
             </a:r>
           </a:p>
           <a:p>
-            <a:pPr algn="ctr"/>
-            <a:r>
-              <a:rPr lang="en-US" sz="3600" dirty="0">
-                <a:solidFill>
-                  <a:schemeClr val="bg1"/>
-                </a:solidFill>
-              </a:rPr>
+            <a:r>
+              <a:rPr lang="en-US" dirty="0"/>
               <a:t>Fill me with life anew</a:t>
             </a:r>
           </a:p>
           <a:p>
-            <a:pPr algn="ctr"/>
-            <a:r>
-              <a:rPr lang="en-US" sz="3600" dirty="0">
-                <a:solidFill>
-                  <a:schemeClr val="bg1"/>
-                </a:solidFill>
-              </a:rPr>
+            <a:r>
+              <a:rPr lang="en-US" dirty="0"/>
               <a:t>That I may love what Thou dost love</a:t>
             </a:r>
           </a:p>
           <a:p>
-            <a:pPr algn="ctr"/>
-            <a:r>
-              <a:rPr lang="en-US" sz="3600" dirty="0">
-                <a:solidFill>
-                  <a:schemeClr val="bg1"/>
-                </a:solidFill>
-              </a:rPr>
+            <a:r>
+              <a:rPr lang="en-US" dirty="0"/>
               <a:t>And do what Thou wouldst do.</a:t>
             </a:r>
           </a:p>
           <a:p>
-            <a:pPr algn="ctr"/>
-            <a:endParaRPr lang="en-US" sz="3600" dirty="0">
-              <a:solidFill>
-                <a:schemeClr val="bg1"/>
-              </a:solidFill>
-            </a:endParaRPr>
-          </a:p>
-          <a:p>
-            <a:pPr algn="ctr"/>
-            <a:r>
-              <a:rPr lang="en-US" sz="3600" dirty="0">
-                <a:solidFill>
-                  <a:schemeClr val="bg1"/>
-                </a:solidFill>
-              </a:rPr>
+            <a:endParaRPr lang="en-US" dirty="0"/>
+          </a:p>
+          <a:p>
+            <a:r>
+              <a:rPr lang="en-US" dirty="0"/>
               <a:t>Breathe on me, Breath of God,</a:t>
             </a:r>
           </a:p>
           <a:p>
-            <a:pPr algn="ctr"/>
-            <a:r>
-              <a:rPr lang="en-US" sz="3600" dirty="0">
-                <a:solidFill>
-                  <a:schemeClr val="bg1"/>
-                </a:solidFill>
-              </a:rPr>
+            <a:r>
+              <a:rPr lang="en-US" dirty="0"/>
               <a:t>Until my heart is pure,</a:t>
             </a:r>
           </a:p>
           <a:p>
-            <a:pPr algn="ctr"/>
-            <a:r>
-              <a:rPr lang="en-US" sz="3600" dirty="0">
-                <a:solidFill>
-                  <a:schemeClr val="bg1"/>
-                </a:solidFill>
-              </a:rPr>
+            <a:r>
+              <a:rPr lang="en-US" dirty="0"/>
               <a:t>Until with Thee I will one will—</a:t>
             </a:r>
           </a:p>
           <a:p>
-            <a:pPr algn="ctr"/>
-            <a:r>
-              <a:rPr lang="en-US" sz="3600" dirty="0">
-                <a:solidFill>
-                  <a:schemeClr val="bg1"/>
-                </a:solidFill>
-              </a:rPr>
+            <a:r>
+              <a:rPr lang="en-US" dirty="0"/>
               <a:t>To do and to endure.</a:t>
             </a:r>
           </a:p>
@@ -3269,15 +3247,23 @@
           <a:bodyPr wrap="square" rtlCol="0" anchor="ctr">
             <a:spAutoFit/>
           </a:bodyPr>
-          <a:lstStyle/>
-          <a:p>
-            <a:pPr algn="ctr"/>
-            <a:r>
-              <a:rPr lang="en-US" sz="4800" dirty="0">
+          <a:lstStyle>
+            <a:defPPr>
+              <a:defRPr lang="en-US"/>
+            </a:defPPr>
+            <a:lvl1pPr algn="ctr">
+              <a:defRPr sz="3200" u="sng">
                 <a:solidFill>
                   <a:schemeClr val="bg1"/>
                 </a:solidFill>
-              </a:rPr>
+                <a:latin typeface="Assistant SemiBold" panose="00000700000000000000" pitchFamily="2" charset="-79"/>
+                <a:cs typeface="Assistant SemiBold" panose="00000700000000000000" pitchFamily="2" charset="-79"/>
+              </a:defRPr>
+            </a:lvl1pPr>
+          </a:lstStyle>
+          <a:p>
+            <a:r>
+              <a:rPr lang="en-US" dirty="0"/>
               <a:t>“Breathe on Me, Breath of God”</a:t>
             </a:r>
           </a:p>
@@ -3291,8 +3277,8 @@
         </p:nvSpPr>
         <p:spPr>
           <a:xfrm>
-            <a:off x="0" y="257866"/>
-            <a:ext cx="12192000" cy="5078313"/>
+            <a:off x="0" y="774234"/>
+            <a:ext cx="12192000" cy="4093428"/>
           </a:xfrm>
           <a:prstGeom prst="rect">
             <a:avLst/>
@@ -3303,108 +3289,72 @@
           <a:bodyPr wrap="square" rtlCol="0">
             <a:spAutoFit/>
           </a:bodyPr>
-          <a:lstStyle/>
-          <a:p>
-            <a:pPr algn="ctr"/>
-            <a:r>
-              <a:rPr lang="en-US" sz="3600" dirty="0">
+          <a:lstStyle>
+            <a:defPPr>
+              <a:defRPr lang="en-US"/>
+            </a:defPPr>
+            <a:lvl1pPr algn="ctr">
+              <a:defRPr sz="2800" spc="50">
                 <a:solidFill>
                   <a:schemeClr val="bg1"/>
                 </a:solidFill>
-              </a:rPr>
+                <a:latin typeface="Assistant" panose="00000500000000000000" pitchFamily="2" charset="-79"/>
+                <a:cs typeface="Assistant" panose="00000500000000000000" pitchFamily="2" charset="-79"/>
+              </a:defRPr>
+            </a:lvl1pPr>
+          </a:lstStyle>
+          <a:p>
+            <a:r>
+              <a:rPr lang="en-US" dirty="0"/>
               <a:t>Breathe on me, Breath of God,</a:t>
             </a:r>
           </a:p>
           <a:p>
-            <a:pPr algn="ctr"/>
-            <a:r>
-              <a:rPr lang="en-US" sz="3600" dirty="0" err="1">
-                <a:solidFill>
-                  <a:schemeClr val="bg1"/>
-                </a:solidFill>
-              </a:rPr>
+            <a:r>
+              <a:rPr lang="en-US" dirty="0" err="1"/>
               <a:t>‘Til</a:t>
             </a:r>
             <a:r>
-              <a:rPr lang="en-US" sz="3600" dirty="0">
-                <a:solidFill>
-                  <a:schemeClr val="bg1"/>
-                </a:solidFill>
-              </a:rPr>
+              <a:rPr lang="en-US" dirty="0"/>
               <a:t> I am wholly Thine,</a:t>
             </a:r>
           </a:p>
           <a:p>
-            <a:pPr algn="ctr"/>
-            <a:r>
-              <a:rPr lang="en-US" sz="3600" dirty="0">
-                <a:solidFill>
-                  <a:schemeClr val="bg1"/>
-                </a:solidFill>
-              </a:rPr>
+            <a:r>
+              <a:rPr lang="en-US" dirty="0"/>
               <a:t>Until this earthly part of me</a:t>
             </a:r>
           </a:p>
           <a:p>
-            <a:pPr algn="ctr"/>
-            <a:r>
-              <a:rPr lang="en-US" sz="3600" dirty="0">
-                <a:solidFill>
-                  <a:schemeClr val="bg1"/>
-                </a:solidFill>
-              </a:rPr>
+            <a:r>
+              <a:rPr lang="en-US" dirty="0"/>
               <a:t>Glows with Thy fire divine.</a:t>
             </a:r>
           </a:p>
           <a:p>
-            <a:pPr algn="ctr"/>
-            <a:endParaRPr lang="en-US" sz="3600" dirty="0">
-              <a:solidFill>
-                <a:schemeClr val="bg1"/>
-              </a:solidFill>
-            </a:endParaRPr>
-          </a:p>
-          <a:p>
-            <a:pPr algn="ctr"/>
-            <a:r>
-              <a:rPr lang="en-US" sz="3600" dirty="0">
-                <a:solidFill>
-                  <a:schemeClr val="bg1"/>
-                </a:solidFill>
-              </a:rPr>
+            <a:endParaRPr lang="en-US" dirty="0"/>
+          </a:p>
+          <a:p>
+            <a:r>
+              <a:rPr lang="en-US" dirty="0"/>
               <a:t>Breathe on me, Breath of God,</a:t>
             </a:r>
           </a:p>
           <a:p>
-            <a:pPr algn="ctr"/>
-            <a:r>
-              <a:rPr lang="en-US" sz="3600" dirty="0">
-                <a:solidFill>
-                  <a:schemeClr val="bg1"/>
-                </a:solidFill>
-              </a:rPr>
+            <a:r>
+              <a:rPr lang="en-US" dirty="0"/>
               <a:t>So shall I never die</a:t>
             </a:r>
           </a:p>
           <a:p>
-            <a:pPr algn="ctr"/>
-            <a:r>
-              <a:rPr lang="en-US" sz="3600" dirty="0">
-                <a:solidFill>
-                  <a:schemeClr val="bg1"/>
-                </a:solidFill>
-              </a:rPr>
+            <a:r>
+              <a:rPr lang="en-US" dirty="0"/>
               <a:t>But live with Thee the perfect life</a:t>
             </a:r>
           </a:p>
           <a:p>
-            <a:pPr algn="ctr"/>
-            <a:r>
-              <a:rPr lang="en-US" sz="3600" dirty="0">
-                <a:solidFill>
-                  <a:schemeClr val="bg1"/>
-                </a:solidFill>
-              </a:rPr>
+            <a:r>
+              <a:rPr lang="en-US" dirty="0"/>
               <a:t>Of Thine eternity.</a:t>
             </a:r>
           </a:p>
